--- a/001-First-Steps/First Steps - Slides.pptx
+++ b/001-First-Steps/First Steps - Slides.pptx
@@ -14683,7 +14683,7 @@
                 <a:latin typeface="Consolas" panose="020B0609020204030204" pitchFamily="49" charset="0"/>
                 <a:cs typeface="Consolas" panose="020B0609020204030204" pitchFamily="49" charset="0"/>
               </a:rPr>
-              <a:t>'World’</a:t>
+              <a:t>'World'</a:t>
             </a:r>
           </a:p>
           <a:p>
